--- a/team/photos/photos_cropped.pptx
+++ b/team/photos/photos_cropped.pptx
@@ -3706,6 +3706,43 @@
         <p:spPr>
           <a:xfrm>
             <a:off x="6222660" y="2780452"/>
+            <a:ext cx="1835394" cy="2294244"/>
+          </a:xfrm>
+          <a:prstGeom prst="rect">
+            <a:avLst/>
+          </a:prstGeom>
+        </p:spPr>
+      </p:pic>
+      <p:pic>
+        <p:nvPicPr>
+          <p:cNvPr id="3" name="Picture 2" descr="A person taking a selfie&#10;&#10;AI-generated content may be incorrect.">
+            <a:extLst>
+              <a:ext uri="{FF2B5EF4-FFF2-40B4-BE49-F238E27FC236}">
+                <a16:creationId xmlns:a16="http://schemas.microsoft.com/office/drawing/2014/main" id="{F1C0A681-890B-216C-ABA2-D0A71EB650E4}"/>
+              </a:ext>
+            </a:extLst>
+          </p:cNvPr>
+          <p:cNvPicPr>
+            <a:picLocks noChangeAspect="1"/>
+          </p:cNvPicPr>
+          <p:nvPr/>
+        </p:nvPicPr>
+        <p:blipFill>
+          <a:blip r:embed="rId8">
+            <a:extLst>
+              <a:ext uri="{28A0092B-C50C-407E-A947-70E740481C1C}">
+                <a14:useLocalDpi xmlns:a14="http://schemas.microsoft.com/office/drawing/2010/main" val="0"/>
+              </a:ext>
+            </a:extLst>
+          </a:blip>
+          <a:srcRect l="5488" t="13992" r="20258"/>
+          <a:stretch>
+            <a:fillRect/>
+          </a:stretch>
+        </p:blipFill>
+        <p:spPr>
+          <a:xfrm>
+            <a:off x="8643276" y="3337621"/>
             <a:ext cx="1835394" cy="2294244"/>
           </a:xfrm>
           <a:prstGeom prst="rect">
@@ -4042,23 +4079,6 @@
 </file>
 
 <file path=customXml/item1.xml><?xml version="1.0" encoding="utf-8"?>
-<p:properties xmlns:p="http://schemas.microsoft.com/office/2006/metadata/properties" xmlns:xsi="http://www.w3.org/2001/XMLSchema-instance" xmlns:pc="http://schemas.microsoft.com/office/infopath/2007/PartnerControls">
-  <documentManagement>
-    <_activity xmlns="164a341b-6725-4b07-a6cd-9fe6e9ab5b42" xsi:nil="true"/>
-  </documentManagement>
-</p:properties>
-</file>
-
-<file path=customXml/item2.xml><?xml version="1.0" encoding="utf-8"?>
-<?mso-contentType ?>
-<FormTemplates xmlns="http://schemas.microsoft.com/sharepoint/v3/contenttype/forms">
-  <Display>DocumentLibraryForm</Display>
-  <Edit>DocumentLibraryForm</Edit>
-  <New>DocumentLibraryForm</New>
-</FormTemplates>
-</file>
-
-<file path=customXml/item3.xml><?xml version="1.0" encoding="utf-8"?>
 <ct:contentTypeSchema xmlns:ct="http://schemas.microsoft.com/office/2006/metadata/contentType" xmlns:ma="http://schemas.microsoft.com/office/2006/metadata/properties/metaAttributes" ct:_="" ma:_="" ma:contentTypeName="Document" ma:contentTypeID="0x0101005734AFEDFB78FE468D4FAC8F2B57CE82" ma:contentTypeVersion="16" ma:contentTypeDescription="Create a new document." ma:contentTypeScope="" ma:versionID="0882b9c2cdd45cfde3d1242676b377ca">
   <xsd:schema xmlns:xsd="http://www.w3.org/2001/XMLSchema" xmlns:xs="http://www.w3.org/2001/XMLSchema" xmlns:p="http://schemas.microsoft.com/office/2006/metadata/properties" xmlns:ns3="8b12d126-63ce-4724-8c77-27b1e80585d4" xmlns:ns4="164a341b-6725-4b07-a6cd-9fe6e9ab5b42" targetNamespace="http://schemas.microsoft.com/office/2006/metadata/properties" ma:root="true" ma:fieldsID="45302008ef36b0ca110dbb940ad0e969" ns3:_="" ns4:_="">
     <xsd:import namespace="8b12d126-63ce-4724-8c77-27b1e80585d4"/>
@@ -4297,32 +4317,24 @@
 </ct:contentTypeSchema>
 </file>
 
-<file path=customXml/itemProps1.xml><?xml version="1.0" encoding="utf-8"?>
-<ds:datastoreItem xmlns:ds="http://schemas.openxmlformats.org/officeDocument/2006/customXml" ds:itemID="{2FC875C6-2222-466F-B33D-16026999EB3A}">
-  <ds:schemaRefs>
-    <ds:schemaRef ds:uri="http://purl.org/dc/dcmitype/"/>
-    <ds:schemaRef ds:uri="http://schemas.microsoft.com/office/2006/metadata/properties"/>
-    <ds:schemaRef ds:uri="http://schemas.microsoft.com/office/2006/documentManagement/types"/>
-    <ds:schemaRef ds:uri="8b12d126-63ce-4724-8c77-27b1e80585d4"/>
-    <ds:schemaRef ds:uri="http://schemas.microsoft.com/office/infopath/2007/PartnerControls"/>
-    <ds:schemaRef ds:uri="164a341b-6725-4b07-a6cd-9fe6e9ab5b42"/>
-    <ds:schemaRef ds:uri="http://schemas.openxmlformats.org/package/2006/metadata/core-properties"/>
-    <ds:schemaRef ds:uri="http://www.w3.org/XML/1998/namespace"/>
-    <ds:schemaRef ds:uri="http://purl.org/dc/terms/"/>
-    <ds:schemaRef ds:uri="http://purl.org/dc/elements/1.1/"/>
-  </ds:schemaRefs>
-</ds:datastoreItem>
+<file path=customXml/item2.xml><?xml version="1.0" encoding="utf-8"?>
+<?mso-contentType ?>
+<FormTemplates xmlns="http://schemas.microsoft.com/sharepoint/v3/contenttype/forms">
+  <Display>DocumentLibraryForm</Display>
+  <Edit>DocumentLibraryForm</Edit>
+  <New>DocumentLibraryForm</New>
+</FormTemplates>
 </file>
 
-<file path=customXml/itemProps2.xml><?xml version="1.0" encoding="utf-8"?>
-<ds:datastoreItem xmlns:ds="http://schemas.openxmlformats.org/officeDocument/2006/customXml" ds:itemID="{E5AB4D09-E20E-465C-B664-11F30F862AF9}">
-  <ds:schemaRefs>
-    <ds:schemaRef ds:uri="http://schemas.microsoft.com/sharepoint/v3/contenttype/forms"/>
-  </ds:schemaRefs>
-</ds:datastoreItem>
+<file path=customXml/item3.xml><?xml version="1.0" encoding="utf-8"?>
+<p:properties xmlns:p="http://schemas.microsoft.com/office/2006/metadata/properties" xmlns:xsi="http://www.w3.org/2001/XMLSchema-instance" xmlns:pc="http://schemas.microsoft.com/office/infopath/2007/PartnerControls">
+  <documentManagement>
+    <_activity xmlns="164a341b-6725-4b07-a6cd-9fe6e9ab5b42" xsi:nil="true"/>
+  </documentManagement>
+</p:properties>
 </file>
 
-<file path=customXml/itemProps3.xml><?xml version="1.0" encoding="utf-8"?>
+<file path=customXml/itemProps1.xml><?xml version="1.0" encoding="utf-8"?>
 <ds:datastoreItem xmlns:ds="http://schemas.openxmlformats.org/officeDocument/2006/customXml" ds:itemID="{55DFAFA0-C89C-4CC9-A94A-57A42FDA5651}">
   <ds:schemaRefs>
     <ds:schemaRef ds:uri="http://schemas.microsoft.com/office/2006/metadata/contentType"/>
@@ -4341,6 +4353,31 @@
 </ds:datastoreItem>
 </file>
 
+<file path=customXml/itemProps2.xml><?xml version="1.0" encoding="utf-8"?>
+<ds:datastoreItem xmlns:ds="http://schemas.openxmlformats.org/officeDocument/2006/customXml" ds:itemID="{E5AB4D09-E20E-465C-B664-11F30F862AF9}">
+  <ds:schemaRefs>
+    <ds:schemaRef ds:uri="http://schemas.microsoft.com/sharepoint/v3/contenttype/forms"/>
+  </ds:schemaRefs>
+</ds:datastoreItem>
+</file>
+
+<file path=customXml/itemProps3.xml><?xml version="1.0" encoding="utf-8"?>
+<ds:datastoreItem xmlns:ds="http://schemas.openxmlformats.org/officeDocument/2006/customXml" ds:itemID="{2FC875C6-2222-466F-B33D-16026999EB3A}">
+  <ds:schemaRefs>
+    <ds:schemaRef ds:uri="http://purl.org/dc/dcmitype/"/>
+    <ds:schemaRef ds:uri="http://schemas.microsoft.com/office/2006/metadata/properties"/>
+    <ds:schemaRef ds:uri="http://schemas.microsoft.com/office/2006/documentManagement/types"/>
+    <ds:schemaRef ds:uri="8b12d126-63ce-4724-8c77-27b1e80585d4"/>
+    <ds:schemaRef ds:uri="http://schemas.microsoft.com/office/infopath/2007/PartnerControls"/>
+    <ds:schemaRef ds:uri="164a341b-6725-4b07-a6cd-9fe6e9ab5b42"/>
+    <ds:schemaRef ds:uri="http://schemas.openxmlformats.org/package/2006/metadata/core-properties"/>
+    <ds:schemaRef ds:uri="http://www.w3.org/XML/1998/namespace"/>
+    <ds:schemaRef ds:uri="http://purl.org/dc/terms/"/>
+    <ds:schemaRef ds:uri="http://purl.org/dc/elements/1.1/"/>
+  </ds:schemaRefs>
+</ds:datastoreItem>
+</file>
+
 <file path=docMetadata/LabelInfo.xml><?xml version="1.0" encoding="utf-8"?>
 <clbl:labelList xmlns:clbl="http://schemas.microsoft.com/office/2020/mipLabelMetadata">
   <clbl:label id="{43083d15-7273-40c1-b7db-39efd9ccc17a}" enabled="0" method="" siteId="{43083d15-7273-40c1-b7db-39efd9ccc17a}" removed="1"/>
